--- a/Data_Mining_Poster_3.pptx
+++ b/Data_Mining_Poster_3.pptx
@@ -3417,7 +3417,7 @@
         </p:nvSpPr>
         <p:spPr bwMode="auto">
           <a:xfrm>
-            <a:off x="22570255" y="11820443"/>
+            <a:off x="22570255" y="10784211"/>
             <a:ext cx="10058398" cy="818285"/>
           </a:xfrm>
           <a:prstGeom prst="rect">
@@ -3628,13 +3628,8 @@
             </a:r>
             <a:r>
               <a:rPr lang="en-US" sz="3200" dirty="0" smtClean="0"/>
-              <a:t> data by examining three questions</a:t>
-            </a:r>
-            <a:r>
-              <a:rPr lang="en-US" sz="3200" dirty="0" smtClean="0"/>
-              <a:t>:</a:t>
-            </a:r>
-            <a:endParaRPr lang="en-US" sz="3200" dirty="0" smtClean="0"/>
+              <a:t> data by examining three questions:</a:t>
+            </a:r>
           </a:p>
           <a:p>
             <a:pPr marL="514350" indent="-514350" algn="just">
@@ -3777,7 +3772,7 @@
         </p:nvSpPr>
         <p:spPr>
           <a:xfrm>
-            <a:off x="11372125" y="3599284"/>
+            <a:off x="11372125" y="3516931"/>
             <a:ext cx="10287000" cy="2062103"/>
           </a:xfrm>
           <a:prstGeom prst="rect">
@@ -3863,7 +3858,7 @@
         </p:nvSpPr>
         <p:spPr>
           <a:xfrm>
-            <a:off x="22570259" y="3707037"/>
+            <a:off x="22570259" y="3503262"/>
             <a:ext cx="10287000" cy="2062103"/>
           </a:xfrm>
           <a:prstGeom prst="rect">
@@ -3911,13 +3906,13 @@
           <p:nvPr>
             <p:extLst>
               <p:ext uri="{D42A27DB-BD31-4B8C-83A1-F6EECF244321}">
-                <p14:modId xmlns:p14="http://schemas.microsoft.com/office/powerpoint/2010/main" val="2991545170"/>
+                <p14:modId xmlns:p14="http://schemas.microsoft.com/office/powerpoint/2010/main" val="1243856336"/>
               </p:ext>
             </p:extLst>
           </p:nvPr>
         </p:nvGraphicFramePr>
         <p:xfrm>
-          <a:off x="22570259" y="5942070"/>
+          <a:off x="22570259" y="5769140"/>
           <a:ext cx="10058400" cy="914400"/>
         </p:xfrm>
         <a:graphic>
@@ -4111,7 +4106,7 @@
         </p:nvSpPr>
         <p:spPr>
           <a:xfrm>
-            <a:off x="22570259" y="7040023"/>
+            <a:off x="22570259" y="6809190"/>
             <a:ext cx="10058400" cy="461665"/>
           </a:xfrm>
           <a:prstGeom prst="rect">
@@ -4154,13 +4149,13 @@
           <p:nvPr>
             <p:extLst>
               <p:ext uri="{D42A27DB-BD31-4B8C-83A1-F6EECF244321}">
-                <p14:modId xmlns:p14="http://schemas.microsoft.com/office/powerpoint/2010/main" val="3093870966"/>
+                <p14:modId xmlns:p14="http://schemas.microsoft.com/office/powerpoint/2010/main" val="3245731615"/>
               </p:ext>
             </p:extLst>
           </p:nvPr>
         </p:nvGraphicFramePr>
         <p:xfrm>
-          <a:off x="22570259" y="7726248"/>
+          <a:off x="22570259" y="7326303"/>
           <a:ext cx="10058400" cy="914400"/>
         </p:xfrm>
         <a:graphic>
@@ -4342,7 +4337,7 @@
         </p:nvSpPr>
         <p:spPr>
           <a:xfrm>
-            <a:off x="22570257" y="8945513"/>
+            <a:off x="22570257" y="8240703"/>
             <a:ext cx="10058400" cy="461665"/>
           </a:xfrm>
           <a:prstGeom prst="rect">
@@ -4385,13 +4380,13 @@
           <p:nvPr>
             <p:extLst>
               <p:ext uri="{D42A27DB-BD31-4B8C-83A1-F6EECF244321}">
-                <p14:modId xmlns:p14="http://schemas.microsoft.com/office/powerpoint/2010/main" val="4125868686"/>
+                <p14:modId xmlns:p14="http://schemas.microsoft.com/office/powerpoint/2010/main" val="1856915090"/>
               </p:ext>
             </p:extLst>
           </p:nvPr>
         </p:nvGraphicFramePr>
         <p:xfrm>
-          <a:off x="22570257" y="9674573"/>
+          <a:off x="22570257" y="8760173"/>
           <a:ext cx="10058400" cy="914400"/>
         </p:xfrm>
         <a:graphic>
@@ -4573,7 +4568,7 @@
         </p:nvSpPr>
         <p:spPr>
           <a:xfrm>
-            <a:off x="22570257" y="10913851"/>
+            <a:off x="22570253" y="9674573"/>
             <a:ext cx="10058400" cy="830997"/>
           </a:xfrm>
           <a:prstGeom prst="rect">
@@ -4649,11 +4644,7 @@
             </a:r>
             <a:r>
               <a:rPr lang="en-US" sz="2400" dirty="0" smtClean="0"/>
-              <a:t>Word cloud </a:t>
-            </a:r>
-            <a:r>
-              <a:rPr lang="en-US" sz="2400" dirty="0" smtClean="0"/>
-              <a:t>representation of k-means clustering of </a:t>
+              <a:t>Word cloud representation of k-means clustering of </a:t>
             </a:r>
             <a:r>
               <a:rPr lang="en-US" sz="2400" dirty="0" err="1" smtClean="0"/>
@@ -4661,11 +4652,7 @@
             </a:r>
             <a:r>
               <a:rPr lang="en-US" sz="2400" dirty="0" smtClean="0"/>
-              <a:t> users</a:t>
-            </a:r>
-            <a:r>
-              <a:rPr lang="en-US" sz="2400" dirty="0" smtClean="0"/>
-              <a:t>. Words are </a:t>
+              <a:t> users. Words are </a:t>
             </a:r>
             <a:r>
               <a:rPr lang="en-US" sz="2400" dirty="0" err="1" smtClean="0"/>
@@ -4673,15 +4660,7 @@
             </a:r>
             <a:r>
               <a:rPr lang="en-US" sz="2400" dirty="0" smtClean="0"/>
-              <a:t> names. </a:t>
-            </a:r>
-            <a:r>
-              <a:rPr lang="en-US" sz="2400" dirty="0" smtClean="0"/>
-              <a:t>(Left) cluster of users who post and follow professional sports.  (Right) Users who are involved in fantasy sports leagues</a:t>
-            </a:r>
-            <a:r>
-              <a:rPr lang="en-US" sz="2400" dirty="0" smtClean="0"/>
-              <a:t>.</a:t>
+              <a:t> names. (Left) cluster of users who post and follow professional sports.  (Right) Users who are involved in fantasy sports leagues.</a:t>
             </a:r>
             <a:endParaRPr lang="en-US" sz="2400" b="1" dirty="0"/>
           </a:p>
@@ -4695,7 +4674,7 @@
         </p:nvSpPr>
         <p:spPr>
           <a:xfrm>
-            <a:off x="22570259" y="12916922"/>
+            <a:off x="22570253" y="12127743"/>
             <a:ext cx="10058400" cy="7478970"/>
           </a:xfrm>
           <a:prstGeom prst="rect">
@@ -4718,6 +4697,7 @@
               <a:rPr lang="en-US" sz="3200" dirty="0" smtClean="0"/>
               <a:t>:</a:t>
             </a:r>
+            <a:endParaRPr lang="en-US" sz="3200" dirty="0" smtClean="0"/>
           </a:p>
           <a:p>
             <a:pPr marL="514350" indent="-514350" algn="just">
@@ -4730,11 +4710,7 @@
             </a:r>
             <a:r>
               <a:rPr lang="en-US" sz="3200" dirty="0" err="1" smtClean="0"/>
-              <a:t>s</a:t>
-            </a:r>
-            <a:r>
-              <a:rPr lang="en-US" sz="3200" dirty="0" err="1" smtClean="0"/>
-              <a:t>ubreddits</a:t>
+              <a:t>subreddits</a:t>
             </a:r>
             <a:r>
               <a:rPr lang="en-US" sz="3200" dirty="0" smtClean="0"/>
@@ -4758,7 +4734,6 @@
               <a:rPr lang="en-US" sz="3200" dirty="0" smtClean="0"/>
               <a:t>. The remaining users form micro communities that each have a set of very specific interests (fantasy football or aquariums).</a:t>
             </a:r>
-            <a:endParaRPr lang="en-US" sz="3200" dirty="0" smtClean="0"/>
           </a:p>
           <a:p>
             <a:pPr marL="514350" indent="-514350" algn="just">
@@ -4767,23 +4742,7 @@
             </a:pPr>
             <a:r>
               <a:rPr lang="en-US" sz="3200" dirty="0" smtClean="0"/>
-              <a:t>W</a:t>
-            </a:r>
-            <a:r>
-              <a:rPr lang="en-US" sz="3200" dirty="0" smtClean="0"/>
-              <a:t>ords </a:t>
-            </a:r>
-            <a:r>
-              <a:rPr lang="en-US" sz="3200" dirty="0" smtClean="0"/>
-              <a:t>alone do not give a good indicator of post </a:t>
-            </a:r>
-            <a:r>
-              <a:rPr lang="en-US" sz="3200" dirty="0" smtClean="0"/>
-              <a:t>likeability and the posts with the highest mutual similarities have a </a:t>
-            </a:r>
-            <a:r>
-              <a:rPr lang="en-US" sz="3200" dirty="0" smtClean="0"/>
-              <a:t>very large number of likes (&gt;1000</a:t>
+              <a:t>Words alone do not give a good indicator of post likeability and the posts with the highest mutual similarities have a very large number of likes (&gt;1000</a:t>
             </a:r>
             <a:r>
               <a:rPr lang="en-US" sz="3200" dirty="0" smtClean="0"/>
@@ -4791,58 +4750,46 @@
             </a:r>
           </a:p>
           <a:p>
-            <a:pPr algn="just"/>
-            <a:r>
-              <a:rPr lang="en-US" sz="3200" dirty="0" smtClean="0"/>
-              <a:t>In </a:t>
-            </a:r>
-            <a:r>
-              <a:rPr lang="en-US" sz="3200" dirty="0" smtClean="0"/>
-              <a:t>the future we would like to look at using user clusters to define low dimensional </a:t>
-            </a:r>
-            <a:r>
-              <a:rPr lang="en-US" sz="3200" dirty="0" err="1" smtClean="0"/>
-              <a:t>embeddings</a:t>
-            </a:r>
-            <a:r>
-              <a:rPr lang="en-US" sz="3200" dirty="0" smtClean="0"/>
-              <a:t> of users.  It would also be interesting to use </a:t>
-            </a:r>
-            <a:r>
-              <a:rPr lang="en-US" sz="3200" dirty="0" err="1" smtClean="0"/>
-              <a:t>Misra-Gries</a:t>
-            </a:r>
-            <a:r>
-              <a:rPr lang="en-US" sz="3200" dirty="0" smtClean="0"/>
-              <a:t> to assess </a:t>
-            </a:r>
-            <a:r>
-              <a:rPr lang="en-US" sz="3200" dirty="0" smtClean="0"/>
-              <a:t>post </a:t>
-            </a:r>
-            <a:r>
-              <a:rPr lang="en-US" sz="3200" dirty="0" smtClean="0"/>
-              <a:t>similarity and compare this method to that of the </a:t>
-            </a:r>
-            <a:r>
-              <a:rPr lang="en-US" sz="3200" dirty="0" err="1" smtClean="0"/>
-              <a:t>Jaccard</a:t>
-            </a:r>
-            <a:r>
-              <a:rPr lang="en-US" sz="3200" dirty="0" smtClean="0"/>
-              <a:t> similarity</a:t>
-            </a:r>
-            <a:r>
-              <a:rPr lang="en-US" sz="3200" dirty="0" smtClean="0"/>
-              <a:t>.</a:t>
-            </a:r>
-            <a:endParaRPr lang="en-US" sz="3200" dirty="0" smtClean="0"/>
-          </a:p>
-          <a:p>
-            <a:pPr marL="514350" indent="-514350">
+            <a:pPr marL="514350" indent="-514350" algn="just">
               <a:buFont typeface="+mj-lt"/>
               <a:buAutoNum type="arabicPeriod"/>
             </a:pPr>
+            <a:endParaRPr lang="en-US" sz="3200" dirty="0" smtClean="0"/>
+          </a:p>
+          <a:p>
+            <a:pPr algn="just"/>
+            <a:r>
+              <a:rPr lang="en-US" sz="3200" dirty="0" smtClean="0"/>
+              <a:t>In the future we would like to look at using user clusters to define low dimensional </a:t>
+            </a:r>
+            <a:r>
+              <a:rPr lang="en-US" sz="3200" dirty="0" err="1" smtClean="0"/>
+              <a:t>embeddings</a:t>
+            </a:r>
+            <a:r>
+              <a:rPr lang="en-US" sz="3200" dirty="0" smtClean="0"/>
+              <a:t> of users.  It would also be interesting to use </a:t>
+            </a:r>
+            <a:r>
+              <a:rPr lang="en-US" sz="3200" dirty="0" err="1" smtClean="0"/>
+              <a:t>Misra-Gries</a:t>
+            </a:r>
+            <a:r>
+              <a:rPr lang="en-US" sz="3200" dirty="0" smtClean="0"/>
+              <a:t> to assess post similarity and compare this method to that of the </a:t>
+            </a:r>
+            <a:r>
+              <a:rPr lang="en-US" sz="3200" dirty="0" err="1" smtClean="0"/>
+              <a:t>Jaccard</a:t>
+            </a:r>
+            <a:r>
+              <a:rPr lang="en-US" sz="3200" dirty="0" smtClean="0"/>
+              <a:t> similarity</a:t>
+            </a:r>
+            <a:r>
+              <a:rPr lang="en-US" sz="3200" dirty="0" smtClean="0"/>
+              <a:t>.</a:t>
+            </a:r>
             <a:endParaRPr lang="en-US" sz="3200" dirty="0" smtClean="0"/>
           </a:p>
         </p:txBody>
@@ -4856,14 +4803,14 @@
           <p:nvPr>
             <p:extLst>
               <p:ext uri="{D42A27DB-BD31-4B8C-83A1-F6EECF244321}">
-                <p14:modId xmlns:p14="http://schemas.microsoft.com/office/powerpoint/2010/main" val="2663702510"/>
+                <p14:modId xmlns:p14="http://schemas.microsoft.com/office/powerpoint/2010/main" val="3035082684"/>
               </p:ext>
             </p:extLst>
           </p:nvPr>
         </p:nvGraphicFramePr>
         <p:xfrm>
-          <a:off x="11372125" y="16258360"/>
-          <a:ext cx="6172200" cy="2743200"/>
+          <a:off x="11372122" y="16246460"/>
+          <a:ext cx="6172203" cy="2755098"/>
         </p:xfrm>
         <a:graphic>
           <a:graphicData uri="http://schemas.openxmlformats.org/drawingml/2006/table">
@@ -4872,11 +4819,11 @@
                 <a:tableStyleId>{5C22544A-7EE6-4342-B048-85BDC9FD1C3A}</a:tableStyleId>
               </a:tblPr>
               <a:tblGrid>
-                <a:gridCol w="2057400"/>
-                <a:gridCol w="2057400"/>
-                <a:gridCol w="2057400"/>
+                <a:gridCol w="2057401"/>
+                <a:gridCol w="2057401"/>
+                <a:gridCol w="2057401"/>
               </a:tblGrid>
-              <a:tr h="417683">
+              <a:tr h="459183">
                 <a:tc>
                   <a:txBody>
                     <a:bodyPr/>
@@ -4923,7 +4870,7 @@
                   <a:tcPr/>
                 </a:tc>
               </a:tr>
-              <a:tr h="449813">
+              <a:tr h="459183">
                 <a:tc>
                   <a:txBody>
                     <a:bodyPr/>
@@ -4970,7 +4917,7 @@
                   <a:tcPr/>
                 </a:tc>
               </a:tr>
-              <a:tr h="449813">
+              <a:tr h="459183">
                 <a:tc>
                   <a:txBody>
                     <a:bodyPr/>
@@ -5025,7 +4972,7 @@
                   <a:tcPr/>
                 </a:tc>
               </a:tr>
-              <a:tr h="449813">
+              <a:tr h="459183">
                 <a:tc>
                   <a:txBody>
                     <a:bodyPr/>
@@ -5072,7 +5019,7 @@
                   <a:tcPr/>
                 </a:tc>
               </a:tr>
-              <a:tr h="449813">
+              <a:tr h="459183">
                 <a:tc>
                   <a:txBody>
                     <a:bodyPr/>
@@ -5127,7 +5074,7 @@
                   <a:tcPr/>
                 </a:tc>
               </a:tr>
-              <a:tr h="449813">
+              <a:tr h="459183">
                 <a:tc>
                   <a:txBody>
                     <a:bodyPr/>
@@ -5219,31 +5166,7 @@
             </a:r>
             <a:r>
               <a:rPr lang="en-US" sz="2400" dirty="0" smtClean="0"/>
-              <a:t> that </a:t>
-            </a:r>
-            <a:r>
-              <a:rPr lang="en-US" sz="2400" dirty="0" smtClean="0"/>
-              <a:t>gave within .01 </a:t>
-            </a:r>
-            <a:r>
-              <a:rPr lang="en-US" sz="2400" dirty="0" smtClean="0"/>
-              <a:t>average distance </a:t>
-            </a:r>
-            <a:r>
-              <a:rPr lang="en-US" sz="2400" dirty="0" smtClean="0"/>
-              <a:t>of what vanilla </a:t>
-            </a:r>
-            <a:r>
-              <a:rPr lang="en-US" sz="2400" dirty="0" smtClean="0"/>
-              <a:t>k-means </a:t>
-            </a:r>
-            <a:r>
-              <a:rPr lang="en-US" sz="2400" dirty="0" smtClean="0"/>
-              <a:t>attains were </a:t>
-            </a:r>
-            <a:r>
-              <a:rPr lang="en-US" sz="2400" dirty="0" smtClean="0"/>
-              <a:t>used to assess speed. </a:t>
+              <a:t> that gave within .01 average distance of what vanilla k-means attains were used to assess speed. </a:t>
             </a:r>
             <a:endParaRPr lang="en-US" sz="2400" b="1" dirty="0"/>
           </a:p>
@@ -5598,13 +5521,13 @@
           <p:nvPr>
             <p:extLst>
               <p:ext uri="{D42A27DB-BD31-4B8C-83A1-F6EECF244321}">
-                <p14:modId xmlns:p14="http://schemas.microsoft.com/office/powerpoint/2010/main" val="1569191652"/>
+                <p14:modId xmlns:p14="http://schemas.microsoft.com/office/powerpoint/2010/main" val="457347991"/>
               </p:ext>
             </p:extLst>
           </p:nvPr>
         </p:nvGraphicFramePr>
         <p:xfrm>
-          <a:off x="5664200" y="16246461"/>
+          <a:off x="5664200" y="16246459"/>
           <a:ext cx="4820835" cy="2755099"/>
         </p:xfrm>
         <a:graphic>
@@ -5894,11 +5817,7 @@
             </a:r>
             <a:r>
               <a:rPr lang="en-US" sz="2400" dirty="0" smtClean="0"/>
-              <a:t> words </a:t>
-            </a:r>
-            <a:r>
-              <a:rPr lang="en-US" sz="2400" dirty="0" smtClean="0"/>
-              <a:t>k=</a:t>
+              <a:t> words k=</a:t>
             </a:r>
             <a:r>
               <a:rPr lang="en-US" sz="2400" dirty="0"/>
@@ -5997,11 +5916,7 @@
             </a:r>
             <a:r>
               <a:rPr lang="en-US" sz="2400" dirty="0" err="1" smtClean="0"/>
-              <a:t>a</a:t>
-            </a:r>
-            <a:r>
-              <a:rPr lang="en-US" sz="2400" dirty="0" err="1" smtClean="0"/>
-              <a:t>www</a:t>
+              <a:t>awww</a:t>
             </a:r>
             <a:r>
               <a:rPr lang="en-US" sz="2400" dirty="0" smtClean="0"/>
@@ -6041,6 +5956,7 @@
           </a:bodyPr>
           <a:lstStyle/>
           <a:p>
+            <a:pPr algn="just"/>
             <a:r>
               <a:rPr lang="en-US" sz="3200" dirty="0" smtClean="0"/>
               <a:t>The data set used for generating user clusters was roughly 30000 users with 32000  </a:t>
@@ -6055,7 +5971,7 @@
             </a:r>
           </a:p>
           <a:p>
-            <a:pPr marL="514350" indent="-514350">
+            <a:pPr marL="514350" indent="-514350" algn="just">
               <a:buFont typeface="Arial"/>
               <a:buChar char="•"/>
             </a:pPr>
@@ -6065,7 +5981,7 @@
             </a:r>
           </a:p>
           <a:p>
-            <a:pPr marL="1987820" lvl="1" indent="-514350">
+            <a:pPr marL="1987820" lvl="1" indent="-514350" algn="just">
               <a:buFont typeface="Arial"/>
               <a:buChar char="•"/>
             </a:pPr>
@@ -6075,7 +5991,7 @@
             </a:r>
           </a:p>
           <a:p>
-            <a:pPr marL="1987820" lvl="1" indent="-514350">
+            <a:pPr marL="1987820" lvl="1" indent="-514350" algn="just">
               <a:buFont typeface="Arial"/>
               <a:buChar char="•"/>
             </a:pPr>
@@ -6093,7 +6009,7 @@
             </a:r>
           </a:p>
           <a:p>
-            <a:pPr marL="514350" indent="-514350">
+            <a:pPr marL="514350" indent="-514350" algn="just">
               <a:buFont typeface="Arial"/>
               <a:buChar char="•"/>
             </a:pPr>
@@ -6103,7 +6019,7 @@
             </a:r>
           </a:p>
           <a:p>
-            <a:pPr marL="1987820" lvl="1" indent="-514350">
+            <a:pPr marL="1987820" lvl="1" indent="-514350" algn="just">
               <a:buFont typeface="Arial"/>
               <a:buChar char="•"/>
             </a:pPr>
@@ -6118,7 +6034,7 @@
             <a:endParaRPr lang="en-US" sz="3200" dirty="0"/>
           </a:p>
           <a:p>
-            <a:pPr marL="514350" indent="-514350">
+            <a:pPr marL="514350" indent="-514350" algn="just">
               <a:buFont typeface="Arial"/>
               <a:buChar char="•"/>
             </a:pPr>
@@ -6128,7 +6044,7 @@
             </a:r>
           </a:p>
           <a:p>
-            <a:pPr marL="1987820" lvl="1" indent="-514350">
+            <a:pPr marL="1987820" lvl="1" indent="-514350" algn="just">
               <a:buFont typeface="Arial"/>
               <a:buChar char="•"/>
             </a:pPr>
